--- a/SSN_seminarium_transformer.pptx
+++ b/SSN_seminarium_transformer.pptx
@@ -2326,7 +2326,7 @@
             <a:fld id="{A5B0A250-5CC0-1746-B209-08E8B0DAE6AF}" type="datetimeFigureOut">
               <a:rPr lang="en-US" smtClean="0"/>
               <a:pPr algn="l"/>
-              <a:t>5/7/2023</a:t>
+              <a:t>5/8/2023</a:t>
             </a:fld>
             <a:endParaRPr lang="en-US" dirty="0"/>
           </a:p>
@@ -3788,7 +3788,7 @@
           <a:p>
             <a:fld id="{A5B0A250-5CC0-1746-B209-08E8B0DAE6AF}" type="datetimeFigureOut">
               <a:rPr lang="en-US" smtClean="0"/>
-              <a:t>5/7/2023</a:t>
+              <a:t>5/8/2023</a:t>
             </a:fld>
             <a:endParaRPr lang="en-US" dirty="0"/>
           </a:p>
@@ -4718,7 +4718,7 @@
           <a:p>
             <a:fld id="{A5B0A250-5CC0-1746-B209-08E8B0DAE6AF}" type="datetimeFigureOut">
               <a:rPr lang="en-US" smtClean="0"/>
-              <a:t>5/7/2023</a:t>
+              <a:t>5/8/2023</a:t>
             </a:fld>
             <a:endParaRPr lang="en-US"/>
           </a:p>
@@ -6175,7 +6175,7 @@
           <a:p>
             <a:fld id="{A5B0A250-5CC0-1746-B209-08E8B0DAE6AF}" type="datetimeFigureOut">
               <a:rPr lang="en-US" smtClean="0"/>
-              <a:t>5/7/2023</a:t>
+              <a:t>5/8/2023</a:t>
             </a:fld>
             <a:endParaRPr lang="en-US" dirty="0"/>
           </a:p>
@@ -8531,7 +8531,7 @@
           <a:p>
             <a:fld id="{A5B0A250-5CC0-1746-B209-08E8B0DAE6AF}" type="datetimeFigureOut">
               <a:rPr lang="en-US" smtClean="0"/>
-              <a:t>5/7/2023</a:t>
+              <a:t>5/8/2023</a:t>
             </a:fld>
             <a:endParaRPr lang="en-US" dirty="0"/>
           </a:p>
@@ -9572,7 +9572,7 @@
           <a:p>
             <a:fld id="{A5B0A250-5CC0-1746-B209-08E8B0DAE6AF}" type="datetimeFigureOut">
               <a:rPr lang="en-US" smtClean="0"/>
-              <a:t>5/7/2023</a:t>
+              <a:t>5/8/2023</a:t>
             </a:fld>
             <a:endParaRPr lang="en-US" dirty="0"/>
           </a:p>
@@ -10785,7 +10785,7 @@
           <a:p>
             <a:fld id="{A5B0A250-5CC0-1746-B209-08E8B0DAE6AF}" type="datetimeFigureOut">
               <a:rPr lang="en-US" smtClean="0"/>
-              <a:t>5/7/2023</a:t>
+              <a:t>5/8/2023</a:t>
             </a:fld>
             <a:endParaRPr lang="en-US" dirty="0"/>
           </a:p>
@@ -11694,7 +11694,7 @@
           <a:p>
             <a:fld id="{A5B0A250-5CC0-1746-B209-08E8B0DAE6AF}" type="datetimeFigureOut">
               <a:rPr lang="en-US" smtClean="0"/>
-              <a:t>5/7/2023</a:t>
+              <a:t>5/8/2023</a:t>
             </a:fld>
             <a:endParaRPr lang="en-US" dirty="0"/>
           </a:p>
@@ -11853,7 +11853,7 @@
             <a:fld id="{A5B0A250-5CC0-1746-B209-08E8B0DAE6AF}" type="datetimeFigureOut">
               <a:rPr lang="en-US" smtClean="0"/>
               <a:pPr/>
-              <a:t>5/7/2023</a:t>
+              <a:t>5/8/2023</a:t>
             </a:fld>
             <a:endParaRPr lang="en-US" dirty="0"/>
           </a:p>
@@ -12836,7 +12836,7 @@
           <a:p>
             <a:fld id="{A5B0A250-5CC0-1746-B209-08E8B0DAE6AF}" type="datetimeFigureOut">
               <a:rPr lang="en-US" smtClean="0"/>
-              <a:t>5/7/2023</a:t>
+              <a:t>5/8/2023</a:t>
             </a:fld>
             <a:endParaRPr lang="en-US" dirty="0"/>
           </a:p>
@@ -13898,7 +13898,7 @@
           <a:p>
             <a:fld id="{A5B0A250-5CC0-1746-B209-08E8B0DAE6AF}" type="datetimeFigureOut">
               <a:rPr lang="en-US" smtClean="0"/>
-              <a:t>5/7/2023</a:t>
+              <a:t>5/8/2023</a:t>
             </a:fld>
             <a:endParaRPr lang="en-US" dirty="0"/>
           </a:p>
@@ -14186,7 +14186,7 @@
             <a:fld id="{A5B0A250-5CC0-1746-B209-08E8B0DAE6AF}" type="datetimeFigureOut">
               <a:rPr lang="en-US" smtClean="0"/>
               <a:pPr/>
-              <a:t>5/7/2023</a:t>
+              <a:t>5/8/2023</a:t>
             </a:fld>
             <a:endParaRPr lang="en-US" dirty="0"/>
           </a:p>
@@ -26706,7 +26706,7 @@
         </p:spPr>
         <p:txBody>
           <a:bodyPr vert="horz" lIns="91440" tIns="45720" rIns="91440" bIns="45720" rtlCol="0" anchor="t">
-            <a:normAutofit/>
+            <a:normAutofit lnSpcReduction="10000"/>
           </a:bodyPr>
           <a:lstStyle/>
           <a:p>
@@ -26718,7 +26718,7 @@
               </a:rPr>
               <a:t>https://miroslawmamczur.pl/czym-jest-i-jak-dziala-transformer-siec-neuronowa/</a:t>
             </a:r>
-            <a:endParaRPr lang="pl-PL">
+            <a:endParaRPr lang="pl-PL" dirty="0">
               <a:ea typeface="+mn-lt"/>
               <a:cs typeface="+mn-lt"/>
             </a:endParaRPr>
@@ -26741,6 +26741,26 @@
                 <a:hlinkClick r:id="rId4"/>
               </a:rPr>
               <a:t>https://stackoverflow.com/questions/58127059/how-to-understand-masked-multi-head-attention-in-transformer</a:t>
+            </a:r>
+          </a:p>
+          <a:p>
+            <a:r>
+              <a:rPr lang="pl-PL" dirty="0">
+                <a:ea typeface="+mn-lt"/>
+                <a:cs typeface="+mn-lt"/>
+                <a:hlinkClick r:id="rId4"/>
+              </a:rPr>
+              <a:t>https://www.tensorflow.org/text/tutorials/transformer?hl=pl&amp;fbclid=IwAR1RxGDXP0UxA4L0hjk99nibbxno5ghBhqdwKI4Vw_8evVMxHmCSqaN1AVE</a:t>
+            </a:r>
+          </a:p>
+          <a:p>
+            <a:r>
+              <a:rPr lang="pl-PL" dirty="0">
+                <a:ea typeface="+mn-lt"/>
+                <a:cs typeface="+mn-lt"/>
+                <a:hlinkClick r:id="rId4"/>
+              </a:rPr>
+              <a:t>https://tatoeba.org/pl/downloads</a:t>
             </a:r>
           </a:p>
           <a:p>
